--- a/DISTRIBUTED FILE SYSTEMS.pptx
+++ b/DISTRIBUTED FILE SYSTEMS.pptx
@@ -118,6 +118,19 @@
     <p:sldId id="368" r:id="rId112"/>
     <p:sldId id="366" r:id="rId113"/>
     <p:sldId id="367" r:id="rId114"/>
+    <p:sldId id="370" r:id="rId115"/>
+    <p:sldId id="371" r:id="rId116"/>
+    <p:sldId id="372" r:id="rId117"/>
+    <p:sldId id="373" r:id="rId118"/>
+    <p:sldId id="374" r:id="rId119"/>
+    <p:sldId id="375" r:id="rId120"/>
+    <p:sldId id="376" r:id="rId121"/>
+    <p:sldId id="377" r:id="rId122"/>
+    <p:sldId id="378" r:id="rId123"/>
+    <p:sldId id="379" r:id="rId124"/>
+    <p:sldId id="380" r:id="rId125"/>
+    <p:sldId id="381" r:id="rId126"/>
+    <p:sldId id="382" r:id="rId127"/>
   </p:sldIdLst>
   <p:sldSz cx="12192000" cy="6858000"/>
   <p:notesSz cx="6858000" cy="9144000"/>
@@ -413,7 +426,7 @@
             <a:fld id="{B61BEF0D-F0BB-DE4B-95CE-6DB70DBA9567}" type="datetimeFigureOut">
               <a:rPr lang="en-US" dirty="0"/>
               <a:pPr/>
-              <a:t>9/10/2019</a:t>
+              <a:t>9/14/2019</a:t>
             </a:fld>
             <a:endParaRPr lang="en-US" dirty="0"/>
           </a:p>
@@ -748,7 +761,7 @@
             <a:fld id="{B61BEF0D-F0BB-DE4B-95CE-6DB70DBA9567}" type="datetimeFigureOut">
               <a:rPr lang="en-US" dirty="0"/>
               <a:pPr/>
-              <a:t>9/10/2019</a:t>
+              <a:t>9/14/2019</a:t>
             </a:fld>
             <a:endParaRPr lang="en-US" dirty="0"/>
           </a:p>
@@ -1146,7 +1159,7 @@
             <a:fld id="{B61BEF0D-F0BB-DE4B-95CE-6DB70DBA9567}" type="datetimeFigureOut">
               <a:rPr lang="en-US" dirty="0"/>
               <a:pPr/>
-              <a:t>9/10/2019</a:t>
+              <a:t>9/14/2019</a:t>
             </a:fld>
             <a:endParaRPr lang="en-US" dirty="0"/>
           </a:p>
@@ -1479,7 +1492,7 @@
             <a:fld id="{B61BEF0D-F0BB-DE4B-95CE-6DB70DBA9567}" type="datetimeFigureOut">
               <a:rPr lang="en-US" dirty="0"/>
               <a:pPr/>
-              <a:t>9/10/2019</a:t>
+              <a:t>9/14/2019</a:t>
             </a:fld>
             <a:endParaRPr lang="en-US" dirty="0"/>
           </a:p>
@@ -1796,7 +1809,7 @@
             <a:fld id="{B61BEF0D-F0BB-DE4B-95CE-6DB70DBA9567}" type="datetimeFigureOut">
               <a:rPr lang="en-US" dirty="0"/>
               <a:pPr/>
-              <a:t>9/10/2019</a:t>
+              <a:t>9/14/2019</a:t>
             </a:fld>
             <a:endParaRPr lang="en-US" dirty="0"/>
           </a:p>
@@ -2189,7 +2202,7 @@
             <a:fld id="{B61BEF0D-F0BB-DE4B-95CE-6DB70DBA9567}" type="datetimeFigureOut">
               <a:rPr lang="en-US" dirty="0"/>
               <a:pPr/>
-              <a:t>9/10/2019</a:t>
+              <a:t>9/14/2019</a:t>
             </a:fld>
             <a:endParaRPr lang="en-US" dirty="0"/>
           </a:p>
@@ -2443,7 +2456,7 @@
             <a:fld id="{B61BEF0D-F0BB-DE4B-95CE-6DB70DBA9567}" type="datetimeFigureOut">
               <a:rPr lang="en-US" dirty="0"/>
               <a:pPr/>
-              <a:t>9/10/2019</a:t>
+              <a:t>9/14/2019</a:t>
             </a:fld>
             <a:endParaRPr lang="en-US" dirty="0"/>
           </a:p>
@@ -2702,7 +2715,7 @@
             <a:fld id="{B61BEF0D-F0BB-DE4B-95CE-6DB70DBA9567}" type="datetimeFigureOut">
               <a:rPr lang="en-US" dirty="0"/>
               <a:pPr/>
-              <a:t>9/10/2019</a:t>
+              <a:t>9/14/2019</a:t>
             </a:fld>
             <a:endParaRPr lang="en-US" dirty="0"/>
           </a:p>
@@ -2961,7 +2974,7 @@
             <a:fld id="{B61BEF0D-F0BB-DE4B-95CE-6DB70DBA9567}" type="datetimeFigureOut">
               <a:rPr lang="en-US" dirty="0"/>
               <a:pPr/>
-              <a:t>9/10/2019</a:t>
+              <a:t>9/14/2019</a:t>
             </a:fld>
             <a:endParaRPr lang="en-US" dirty="0"/>
           </a:p>
@@ -3287,7 +3300,7 @@
             <a:fld id="{B61BEF0D-F0BB-DE4B-95CE-6DB70DBA9567}" type="datetimeFigureOut">
               <a:rPr lang="en-US" dirty="0"/>
               <a:pPr/>
-              <a:t>9/10/2019</a:t>
+              <a:t>9/14/2019</a:t>
             </a:fld>
             <a:endParaRPr lang="en-US" dirty="0"/>
           </a:p>
@@ -3607,7 +3620,7 @@
             <a:fld id="{B61BEF0D-F0BB-DE4B-95CE-6DB70DBA9567}" type="datetimeFigureOut">
               <a:rPr lang="en-US" dirty="0"/>
               <a:pPr/>
-              <a:t>9/10/2019</a:t>
+              <a:t>9/14/2019</a:t>
             </a:fld>
             <a:endParaRPr lang="en-US" dirty="0"/>
           </a:p>
@@ -4061,7 +4074,7 @@
             <a:fld id="{B61BEF0D-F0BB-DE4B-95CE-6DB70DBA9567}" type="datetimeFigureOut">
               <a:rPr lang="en-US" dirty="0"/>
               <a:pPr/>
-              <a:t>9/10/2019</a:t>
+              <a:t>9/14/2019</a:t>
             </a:fld>
             <a:endParaRPr lang="en-US" dirty="0"/>
           </a:p>
@@ -4263,7 +4276,7 @@
             <a:fld id="{B61BEF0D-F0BB-DE4B-95CE-6DB70DBA9567}" type="datetimeFigureOut">
               <a:rPr lang="en-US" dirty="0"/>
               <a:pPr/>
-              <a:t>9/10/2019</a:t>
+              <a:t>9/14/2019</a:t>
             </a:fld>
             <a:endParaRPr lang="en-US" dirty="0"/>
           </a:p>
@@ -4437,7 +4450,7 @@
             <a:fld id="{B61BEF0D-F0BB-DE4B-95CE-6DB70DBA9567}" type="datetimeFigureOut">
               <a:rPr lang="en-US" dirty="0"/>
               <a:pPr/>
-              <a:t>9/10/2019</a:t>
+              <a:t>9/14/2019</a:t>
             </a:fld>
             <a:endParaRPr lang="en-US" dirty="0"/>
           </a:p>
@@ -4767,7 +4780,7 @@
             <a:fld id="{B61BEF0D-F0BB-DE4B-95CE-6DB70DBA9567}" type="datetimeFigureOut">
               <a:rPr lang="en-US" dirty="0"/>
               <a:pPr/>
-              <a:t>9/10/2019</a:t>
+              <a:t>9/14/2019</a:t>
             </a:fld>
             <a:endParaRPr lang="en-US" dirty="0"/>
           </a:p>
@@ -5109,7 +5122,7 @@
             <a:fld id="{B61BEF0D-F0BB-DE4B-95CE-6DB70DBA9567}" type="datetimeFigureOut">
               <a:rPr lang="en-US" dirty="0"/>
               <a:pPr/>
-              <a:t>9/10/2019</a:t>
+              <a:t>9/14/2019</a:t>
             </a:fld>
             <a:endParaRPr lang="en-US" dirty="0"/>
           </a:p>
@@ -7223,7 +7236,7 @@
             <a:fld id="{B61BEF0D-F0BB-DE4B-95CE-6DB70DBA9567}" type="datetimeFigureOut">
               <a:rPr lang="en-US" dirty="0"/>
               <a:pPr/>
-              <a:t>9/10/2019</a:t>
+              <a:t>9/14/2019</a:t>
             </a:fld>
             <a:endParaRPr lang="en-US" dirty="0"/>
           </a:p>
@@ -9734,7 +9747,6 @@
               <a:rPr lang="en-US" dirty="0"/>
               <a:t>Customization:</a:t>
             </a:r>
-            <a:endParaRPr lang="en-US" dirty="0"/>
           </a:p>
         </p:txBody>
       </p:sp>
@@ -9828,7 +9840,6 @@
               <a:rPr lang="en-US" sz="2400" dirty="0"/>
               <a:t>.</a:t>
             </a:r>
-            <a:endParaRPr lang="en-US" sz="2400" dirty="0"/>
           </a:p>
         </p:txBody>
       </p:sp>
@@ -10148,7 +10159,6 @@
               <a:rPr lang="en-US" sz="2400" dirty="0"/>
               <a:t>and using it as the program’s naming context.</a:t>
             </a:r>
-            <a:endParaRPr lang="en-US" sz="2400" dirty="0"/>
           </a:p>
         </p:txBody>
       </p:sp>
@@ -10510,6 +10520,1074 @@
 </p:sld>
 </file>
 
+<file path=ppt/slides/slide114.xml><?xml version="1.0" encoding="utf-8"?>
+<p:sld xmlns:a="http://schemas.openxmlformats.org/drawingml/2006/main" xmlns:r="http://schemas.openxmlformats.org/officeDocument/2006/relationships" xmlns:p="http://schemas.openxmlformats.org/presentationml/2006/main">
+  <p:cSld>
+    <p:spTree>
+      <p:nvGrpSpPr>
+        <p:cNvPr id="1" name=""/>
+        <p:cNvGrpSpPr/>
+        <p:nvPr/>
+      </p:nvGrpSpPr>
+      <p:grpSpPr>
+        <a:xfrm>
+          <a:off x="0" y="0"/>
+          <a:ext cx="0" cy="0"/>
+          <a:chOff x="0" y="0"/>
+          <a:chExt cx="0" cy="0"/>
+        </a:xfrm>
+      </p:grpSpPr>
+      <p:sp>
+        <p:nvSpPr>
+          <p:cNvPr id="2" name="Title 1"/>
+          <p:cNvSpPr>
+            <a:spLocks noGrp="1"/>
+          </p:cNvSpPr>
+          <p:nvPr>
+            <p:ph type="title"/>
+          </p:nvPr>
+        </p:nvSpPr>
+        <p:spPr/>
+        <p:txBody>
+          <a:bodyPr/>
+          <a:lstStyle/>
+          <a:p>
+            <a:r>
+              <a:rPr lang="en-US" dirty="0"/>
+              <a:t>Name resolution</a:t>
+            </a:r>
+            <a:endParaRPr lang="en-US" dirty="0"/>
+          </a:p>
+        </p:txBody>
+      </p:sp>
+      <p:sp>
+        <p:nvSpPr>
+          <p:cNvPr id="3" name="Content Placeholder 2"/>
+          <p:cNvSpPr>
+            <a:spLocks noGrp="1"/>
+          </p:cNvSpPr>
+          <p:nvPr>
+            <p:ph idx="1"/>
+          </p:nvPr>
+        </p:nvSpPr>
+        <p:spPr>
+          <a:xfrm>
+            <a:off x="1896881" y="1558833"/>
+            <a:ext cx="8915400" cy="4619898"/>
+          </a:xfrm>
+        </p:spPr>
+        <p:txBody>
+          <a:bodyPr>
+            <a:normAutofit fontScale="92500" lnSpcReduction="10000"/>
+          </a:bodyPr>
+          <a:lstStyle/>
+          <a:p>
+            <a:r>
+              <a:rPr lang="en-US" sz="2400" dirty="0"/>
+              <a:t>For the common case of hierarchic name spaces, name resolution is an iterative </a:t>
+            </a:r>
+            <a:r>
+              <a:rPr lang="en-US" sz="2400" dirty="0" smtClean="0"/>
+              <a:t>or recursive process.</a:t>
+            </a:r>
+          </a:p>
+          <a:p>
+            <a:r>
+              <a:rPr lang="en-US" sz="2400" dirty="0" smtClean="0"/>
+              <a:t> </a:t>
+            </a:r>
+            <a:r>
+              <a:rPr lang="en-US" sz="2400" dirty="0"/>
+              <a:t>A naming context either maps a given </a:t>
+            </a:r>
+            <a:r>
+              <a:rPr lang="en-US" sz="2400" dirty="0" smtClean="0"/>
+              <a:t>name onto </a:t>
+            </a:r>
+            <a:r>
+              <a:rPr lang="en-US" sz="2400" dirty="0"/>
+              <a:t>a set of primitive attributes </a:t>
+            </a:r>
+            <a:r>
+              <a:rPr lang="en-US" sz="2400" dirty="0" smtClean="0"/>
+              <a:t>or </a:t>
+            </a:r>
+            <a:r>
+              <a:rPr lang="en-US" sz="2400" dirty="0"/>
+              <a:t>maps it onto </a:t>
+            </a:r>
+            <a:r>
+              <a:rPr lang="en-US" sz="2400" dirty="0" smtClean="0"/>
+              <a:t>a further </a:t>
+            </a:r>
+            <a:r>
+              <a:rPr lang="en-US" sz="2400" dirty="0"/>
+              <a:t>naming context </a:t>
+            </a:r>
+            <a:endParaRPr lang="en-US" sz="2400" dirty="0" smtClean="0"/>
+          </a:p>
+          <a:p>
+            <a:pPr lvl="1"/>
+            <a:r>
+              <a:rPr lang="en-US" sz="2400" dirty="0" smtClean="0"/>
+              <a:t>derived </a:t>
+            </a:r>
+            <a:r>
+              <a:rPr lang="en-US" sz="2400" dirty="0"/>
+              <a:t>name to be presented to that context</a:t>
+            </a:r>
+            <a:r>
+              <a:rPr lang="en-US" sz="2400" dirty="0" smtClean="0"/>
+              <a:t>.</a:t>
+            </a:r>
+          </a:p>
+          <a:p>
+            <a:r>
+              <a:rPr lang="en-US" sz="2400" dirty="0" smtClean="0"/>
+              <a:t> </a:t>
+            </a:r>
+            <a:r>
+              <a:rPr lang="en-US" sz="2400" dirty="0"/>
+              <a:t>To resolve </a:t>
+            </a:r>
+            <a:r>
+              <a:rPr lang="en-US" sz="2400" dirty="0" smtClean="0"/>
+              <a:t>a name</a:t>
+            </a:r>
+            <a:r>
+              <a:rPr lang="en-US" sz="2400" dirty="0"/>
+              <a:t>, it is first presented to some initial naming context; </a:t>
+            </a:r>
+            <a:endParaRPr lang="en-US" sz="2400" dirty="0" smtClean="0"/>
+          </a:p>
+          <a:p>
+            <a:pPr lvl="1"/>
+            <a:r>
+              <a:rPr lang="en-US" sz="2400" dirty="0" smtClean="0"/>
+              <a:t>Resolution </a:t>
+            </a:r>
+            <a:r>
+              <a:rPr lang="en-US" sz="2400" dirty="0"/>
+              <a:t>iterates as long </a:t>
+            </a:r>
+            <a:r>
+              <a:rPr lang="en-US" sz="2400" dirty="0" smtClean="0"/>
+              <a:t>as further </a:t>
+            </a:r>
+            <a:r>
+              <a:rPr lang="en-US" sz="2400" dirty="0"/>
+              <a:t>contexts and derived names are output</a:t>
+            </a:r>
+            <a:r>
+              <a:rPr lang="en-US" dirty="0" smtClean="0"/>
+              <a:t>.</a:t>
+            </a:r>
+          </a:p>
+          <a:p>
+            <a:r>
+              <a:rPr lang="en-US" sz="2200" dirty="0" smtClean="0"/>
+              <a:t>Example:	</a:t>
+            </a:r>
+          </a:p>
+          <a:p>
+            <a:pPr lvl="1"/>
+            <a:r>
+              <a:rPr lang="en-US" sz="2200" dirty="0" smtClean="0"/>
+              <a:t> </a:t>
+            </a:r>
+            <a:r>
+              <a:rPr lang="en-US" sz="2200" i="1" dirty="0" smtClean="0"/>
+              <a:t>/</a:t>
+            </a:r>
+            <a:r>
+              <a:rPr lang="en-US" sz="2200" i="1" dirty="0" err="1" smtClean="0"/>
+              <a:t>etc</a:t>
+            </a:r>
+            <a:r>
+              <a:rPr lang="en-US" sz="2200" i="1" dirty="0" smtClean="0"/>
+              <a:t>/</a:t>
+            </a:r>
+            <a:r>
+              <a:rPr lang="en-US" sz="2200" i="1" dirty="0" err="1" smtClean="0"/>
+              <a:t>passwd</a:t>
+            </a:r>
+            <a:r>
+              <a:rPr lang="en-US" sz="2200" dirty="0"/>
+              <a:t>, in which ‘</a:t>
+            </a:r>
+            <a:r>
+              <a:rPr lang="en-US" sz="2200" dirty="0" err="1"/>
+              <a:t>etc</a:t>
+            </a:r>
+            <a:r>
+              <a:rPr lang="en-US" sz="2200" dirty="0"/>
+              <a:t>’ is presented to the context </a:t>
+            </a:r>
+            <a:r>
+              <a:rPr lang="en-US" sz="2200" dirty="0" smtClean="0"/>
+              <a:t>‘</a:t>
+            </a:r>
+            <a:r>
+              <a:rPr lang="en-US" sz="2200" i="1" dirty="0" smtClean="0"/>
+              <a:t>/’</a:t>
+            </a:r>
+            <a:endParaRPr lang="en-US" sz="2200" dirty="0"/>
+          </a:p>
+          <a:p>
+            <a:pPr lvl="1"/>
+            <a:r>
+              <a:rPr lang="en-US" sz="2200" dirty="0" smtClean="0"/>
+              <a:t> then </a:t>
+            </a:r>
+            <a:r>
+              <a:rPr lang="en-US" sz="2200" dirty="0"/>
+              <a:t>‘</a:t>
+            </a:r>
+            <a:r>
+              <a:rPr lang="en-US" sz="2200" dirty="0" err="1"/>
+              <a:t>passwd</a:t>
+            </a:r>
+            <a:r>
+              <a:rPr lang="en-US" sz="2200" dirty="0"/>
+              <a:t>’ is presented to the context ‘</a:t>
+            </a:r>
+            <a:r>
+              <a:rPr lang="en-US" sz="2200" i="1" dirty="0"/>
+              <a:t>/</a:t>
+            </a:r>
+            <a:r>
+              <a:rPr lang="en-US" sz="2200" i="1" dirty="0" err="1"/>
+              <a:t>etc</a:t>
+            </a:r>
+            <a:r>
+              <a:rPr lang="en-US" sz="2200" i="1" dirty="0" smtClean="0"/>
+              <a:t>’</a:t>
+            </a:r>
+            <a:r>
+              <a:rPr lang="en-US" sz="2200" dirty="0" smtClean="0"/>
+              <a:t>.</a:t>
+            </a:r>
+            <a:endParaRPr lang="en-US" sz="2200" dirty="0"/>
+          </a:p>
+        </p:txBody>
+      </p:sp>
+    </p:spTree>
+    <p:extLst>
+      <p:ext uri="{BB962C8B-B14F-4D97-AF65-F5344CB8AC3E}">
+        <p14:creationId xmlns:p14="http://schemas.microsoft.com/office/powerpoint/2010/main" val="1023939370"/>
+      </p:ext>
+    </p:extLst>
+  </p:cSld>
+  <p:clrMapOvr>
+    <a:masterClrMapping/>
+  </p:clrMapOvr>
+</p:sld>
+</file>
+
+<file path=ppt/slides/slide115.xml><?xml version="1.0" encoding="utf-8"?>
+<p:sld xmlns:a="http://schemas.openxmlformats.org/drawingml/2006/main" xmlns:r="http://schemas.openxmlformats.org/officeDocument/2006/relationships" xmlns:p="http://schemas.openxmlformats.org/presentationml/2006/main">
+  <p:cSld>
+    <p:spTree>
+      <p:nvGrpSpPr>
+        <p:cNvPr id="1" name=""/>
+        <p:cNvGrpSpPr/>
+        <p:nvPr/>
+      </p:nvGrpSpPr>
+      <p:grpSpPr>
+        <a:xfrm>
+          <a:off x="0" y="0"/>
+          <a:ext cx="0" cy="0"/>
+          <a:chOff x="0" y="0"/>
+          <a:chExt cx="0" cy="0"/>
+        </a:xfrm>
+      </p:grpSpPr>
+      <p:sp>
+        <p:nvSpPr>
+          <p:cNvPr id="2" name="Title 1"/>
+          <p:cNvSpPr>
+            <a:spLocks noGrp="1"/>
+          </p:cNvSpPr>
+          <p:nvPr>
+            <p:ph type="title"/>
+          </p:nvPr>
+        </p:nvSpPr>
+        <p:spPr/>
+        <p:txBody>
+          <a:bodyPr/>
+          <a:lstStyle/>
+          <a:p>
+            <a:endParaRPr lang="en-US"/>
+          </a:p>
+        </p:txBody>
+      </p:sp>
+      <p:sp>
+        <p:nvSpPr>
+          <p:cNvPr id="3" name="Content Placeholder 2"/>
+          <p:cNvSpPr>
+            <a:spLocks noGrp="1"/>
+          </p:cNvSpPr>
+          <p:nvPr>
+            <p:ph idx="1"/>
+          </p:nvPr>
+        </p:nvSpPr>
+        <p:spPr/>
+        <p:txBody>
+          <a:bodyPr>
+            <a:normAutofit/>
+          </a:bodyPr>
+          <a:lstStyle/>
+          <a:p>
+            <a:r>
+              <a:rPr lang="en-US" sz="2400" dirty="0"/>
+              <a:t>E</a:t>
+            </a:r>
+            <a:r>
+              <a:rPr lang="en-US" sz="2400" dirty="0" smtClean="0"/>
+              <a:t>xample </a:t>
+            </a:r>
+            <a:r>
+              <a:rPr lang="en-US" sz="2400" dirty="0"/>
+              <a:t>of the iterative nature of resolution is the use of aliases. </a:t>
+            </a:r>
+            <a:endParaRPr lang="en-US" sz="2400" dirty="0" smtClean="0"/>
+          </a:p>
+          <a:p>
+            <a:pPr lvl="1"/>
+            <a:r>
+              <a:rPr lang="en-US" sz="2400" dirty="0" smtClean="0"/>
+              <a:t>whenever </a:t>
+            </a:r>
+            <a:r>
+              <a:rPr lang="en-US" sz="2400" dirty="0"/>
+              <a:t>a DNS server is asked to resolve an alias such </a:t>
+            </a:r>
+            <a:r>
+              <a:rPr lang="en-US" sz="2400" dirty="0" smtClean="0"/>
+              <a:t>as </a:t>
+            </a:r>
+            <a:r>
+              <a:rPr lang="en-US" sz="2400" i="1" dirty="0" smtClean="0">
+                <a:hlinkClick r:id="rId2"/>
+              </a:rPr>
+              <a:t>www.dcs.qmul.ac.uk</a:t>
+            </a:r>
+            <a:endParaRPr lang="en-US" sz="2400" dirty="0"/>
+          </a:p>
+          <a:p>
+            <a:pPr lvl="1"/>
+            <a:r>
+              <a:rPr lang="en-US" sz="2400" dirty="0" smtClean="0"/>
+              <a:t> </a:t>
+            </a:r>
+            <a:r>
+              <a:rPr lang="en-US" sz="2400" dirty="0"/>
+              <a:t>S</a:t>
+            </a:r>
+            <a:r>
+              <a:rPr lang="en-US" sz="2400" dirty="0" smtClean="0"/>
+              <a:t>erver </a:t>
+            </a:r>
+            <a:r>
+              <a:rPr lang="en-US" sz="2400" dirty="0"/>
+              <a:t>first resolves the alias to another domain name (in </a:t>
+            </a:r>
+            <a:r>
+              <a:rPr lang="en-US" sz="2400" dirty="0" smtClean="0"/>
+              <a:t>this case </a:t>
+            </a:r>
+            <a:r>
+              <a:rPr lang="en-US" sz="2400" i="1" dirty="0"/>
+              <a:t>traffic.dcs.qmul.ac.uk</a:t>
+            </a:r>
+            <a:r>
+              <a:rPr lang="en-US" sz="2400" dirty="0"/>
+              <a:t>), </a:t>
+            </a:r>
+            <a:endParaRPr lang="en-US" sz="2400" dirty="0" smtClean="0"/>
+          </a:p>
+          <a:p>
+            <a:pPr lvl="1"/>
+            <a:r>
+              <a:rPr lang="en-US" sz="2400" dirty="0" smtClean="0"/>
+              <a:t>which </a:t>
+            </a:r>
+            <a:r>
+              <a:rPr lang="en-US" sz="2400" dirty="0"/>
+              <a:t>must be further resolved to produce an IP address.</a:t>
+            </a:r>
+            <a:endParaRPr lang="en-US" sz="2400" dirty="0"/>
+          </a:p>
+        </p:txBody>
+      </p:sp>
+    </p:spTree>
+    <p:extLst>
+      <p:ext uri="{BB962C8B-B14F-4D97-AF65-F5344CB8AC3E}">
+        <p14:creationId xmlns:p14="http://schemas.microsoft.com/office/powerpoint/2010/main" val="974107645"/>
+      </p:ext>
+    </p:extLst>
+  </p:cSld>
+  <p:clrMapOvr>
+    <a:masterClrMapping/>
+  </p:clrMapOvr>
+</p:sld>
+</file>
+
+<file path=ppt/slides/slide116.xml><?xml version="1.0" encoding="utf-8"?>
+<p:sld xmlns:a="http://schemas.openxmlformats.org/drawingml/2006/main" xmlns:r="http://schemas.openxmlformats.org/officeDocument/2006/relationships" xmlns:p="http://schemas.openxmlformats.org/presentationml/2006/main">
+  <p:cSld>
+    <p:spTree>
+      <p:nvGrpSpPr>
+        <p:cNvPr id="1" name=""/>
+        <p:cNvGrpSpPr/>
+        <p:nvPr/>
+      </p:nvGrpSpPr>
+      <p:grpSpPr>
+        <a:xfrm>
+          <a:off x="0" y="0"/>
+          <a:ext cx="0" cy="0"/>
+          <a:chOff x="0" y="0"/>
+          <a:chExt cx="0" cy="0"/>
+        </a:xfrm>
+      </p:grpSpPr>
+      <p:sp>
+        <p:nvSpPr>
+          <p:cNvPr id="2" name="Title 1"/>
+          <p:cNvSpPr>
+            <a:spLocks noGrp="1"/>
+          </p:cNvSpPr>
+          <p:nvPr>
+            <p:ph type="title"/>
+          </p:nvPr>
+        </p:nvSpPr>
+        <p:spPr/>
+        <p:txBody>
+          <a:bodyPr/>
+          <a:lstStyle/>
+          <a:p>
+            <a:r>
+              <a:rPr lang="en-US" b="1" dirty="0"/>
+              <a:t>Name servers and navigation</a:t>
+            </a:r>
+            <a:endParaRPr lang="en-US" dirty="0"/>
+          </a:p>
+        </p:txBody>
+      </p:sp>
+      <p:sp>
+        <p:nvSpPr>
+          <p:cNvPr id="3" name="Content Placeholder 2"/>
+          <p:cNvSpPr>
+            <a:spLocks noGrp="1"/>
+          </p:cNvSpPr>
+          <p:nvPr>
+            <p:ph idx="1"/>
+          </p:nvPr>
+        </p:nvSpPr>
+        <p:spPr/>
+        <p:txBody>
+          <a:bodyPr>
+            <a:normAutofit lnSpcReduction="10000"/>
+          </a:bodyPr>
+          <a:lstStyle/>
+          <a:p>
+            <a:r>
+              <a:rPr lang="en-US" sz="2400" dirty="0"/>
+              <a:t>Any name service, such as DNS, that stores a very </a:t>
+            </a:r>
+            <a:r>
+              <a:rPr lang="en-US" sz="2400" dirty="0" smtClean="0"/>
+              <a:t>large database </a:t>
+            </a:r>
+            <a:r>
+              <a:rPr lang="en-US" sz="2400" dirty="0"/>
+              <a:t>and is used by a large </a:t>
+            </a:r>
+            <a:r>
+              <a:rPr lang="en-US" sz="2400" dirty="0" smtClean="0"/>
+              <a:t>population</a:t>
+            </a:r>
+          </a:p>
+          <a:p>
+            <a:r>
+              <a:rPr lang="en-US" sz="2400" dirty="0" smtClean="0"/>
+              <a:t>Such </a:t>
+            </a:r>
+            <a:r>
+              <a:rPr lang="en-US" sz="2400" dirty="0"/>
+              <a:t>a server would be a bottleneck and a critical point </a:t>
+            </a:r>
+            <a:r>
+              <a:rPr lang="en-US" sz="2400" dirty="0" smtClean="0"/>
+              <a:t>of failure.</a:t>
+            </a:r>
+          </a:p>
+          <a:p>
+            <a:r>
+              <a:rPr lang="en-US" sz="2400" dirty="0" smtClean="0"/>
+              <a:t> </a:t>
+            </a:r>
+            <a:r>
+              <a:rPr lang="en-US" sz="2400" dirty="0"/>
+              <a:t>Any heavily used name services should use replication to achieve </a:t>
+            </a:r>
+            <a:r>
+              <a:rPr lang="en-US" sz="2400" dirty="0" smtClean="0"/>
+              <a:t>high availability</a:t>
+            </a:r>
+            <a:r>
+              <a:rPr lang="en-US" sz="2400" dirty="0"/>
+              <a:t>. </a:t>
+            </a:r>
+            <a:endParaRPr lang="en-US" sz="2400" dirty="0" smtClean="0"/>
+          </a:p>
+          <a:p>
+            <a:pPr lvl="1"/>
+            <a:r>
+              <a:rPr lang="en-US" sz="2400" dirty="0" smtClean="0"/>
+              <a:t>DNS </a:t>
+            </a:r>
+            <a:r>
+              <a:rPr lang="en-US" sz="2400" dirty="0"/>
+              <a:t>specifies that each subset of its database is </a:t>
+            </a:r>
+            <a:r>
+              <a:rPr lang="en-US" sz="2400" dirty="0" smtClean="0"/>
+              <a:t>replicated in </a:t>
+            </a:r>
+            <a:r>
+              <a:rPr lang="en-US" sz="2400" dirty="0"/>
+              <a:t>at least two failure-independent servers</a:t>
+            </a:r>
+            <a:r>
+              <a:rPr lang="en-US" sz="2400" dirty="0" smtClean="0"/>
+              <a:t>.</a:t>
+            </a:r>
+          </a:p>
+          <a:p>
+            <a:r>
+              <a:rPr lang="en-US" sz="2400" dirty="0"/>
+              <a:t>N</a:t>
+            </a:r>
+            <a:r>
+              <a:rPr lang="en-US" sz="2400" dirty="0" smtClean="0"/>
+              <a:t>ame </a:t>
+            </a:r>
+            <a:r>
+              <a:rPr lang="en-US" sz="2400" dirty="0"/>
+              <a:t>server may store data for more than one domain</a:t>
+            </a:r>
+            <a:endParaRPr lang="en-US" sz="2400" dirty="0"/>
+          </a:p>
+        </p:txBody>
+      </p:sp>
+    </p:spTree>
+    <p:extLst>
+      <p:ext uri="{BB962C8B-B14F-4D97-AF65-F5344CB8AC3E}">
+        <p14:creationId xmlns:p14="http://schemas.microsoft.com/office/powerpoint/2010/main" val="882439627"/>
+      </p:ext>
+    </p:extLst>
+  </p:cSld>
+  <p:clrMapOvr>
+    <a:masterClrMapping/>
+  </p:clrMapOvr>
+</p:sld>
+</file>
+
+<file path=ppt/slides/slide117.xml><?xml version="1.0" encoding="utf-8"?>
+<p:sld xmlns:a="http://schemas.openxmlformats.org/drawingml/2006/main" xmlns:r="http://schemas.openxmlformats.org/officeDocument/2006/relationships" xmlns:p="http://schemas.openxmlformats.org/presentationml/2006/main">
+  <p:cSld>
+    <p:spTree>
+      <p:nvGrpSpPr>
+        <p:cNvPr id="1" name=""/>
+        <p:cNvGrpSpPr/>
+        <p:nvPr/>
+      </p:nvGrpSpPr>
+      <p:grpSpPr>
+        <a:xfrm>
+          <a:off x="0" y="0"/>
+          <a:ext cx="0" cy="0"/>
+          <a:chOff x="0" y="0"/>
+          <a:chExt cx="0" cy="0"/>
+        </a:xfrm>
+      </p:grpSpPr>
+      <p:sp>
+        <p:nvSpPr>
+          <p:cNvPr id="2" name="Title 1"/>
+          <p:cNvSpPr>
+            <a:spLocks noGrp="1"/>
+          </p:cNvSpPr>
+          <p:nvPr>
+            <p:ph type="title"/>
+          </p:nvPr>
+        </p:nvSpPr>
+        <p:spPr/>
+        <p:txBody>
+          <a:bodyPr/>
+          <a:lstStyle/>
+          <a:p>
+            <a:r>
+              <a:rPr lang="en-US" b="1" dirty="0"/>
+              <a:t>Name servers and navigation</a:t>
+            </a:r>
+            <a:endParaRPr lang="en-US" dirty="0"/>
+          </a:p>
+        </p:txBody>
+      </p:sp>
+      <p:sp>
+        <p:nvSpPr>
+          <p:cNvPr id="3" name="Content Placeholder 2"/>
+          <p:cNvSpPr>
+            <a:spLocks noGrp="1"/>
+          </p:cNvSpPr>
+          <p:nvPr>
+            <p:ph idx="1"/>
+          </p:nvPr>
+        </p:nvSpPr>
+        <p:spPr/>
+        <p:txBody>
+          <a:bodyPr>
+            <a:normAutofit/>
+          </a:bodyPr>
+          <a:lstStyle/>
+          <a:p>
+            <a:r>
+              <a:rPr lang="en-US" sz="2400" dirty="0"/>
+              <a:t>The partitioning of data implies that the local name server cannot answer </a:t>
+            </a:r>
+            <a:r>
+              <a:rPr lang="en-US" sz="2400" dirty="0" smtClean="0"/>
+              <a:t>all enquiries </a:t>
+            </a:r>
+            <a:r>
+              <a:rPr lang="en-US" sz="2400" dirty="0"/>
+              <a:t>without the help of other name servers. </a:t>
+            </a:r>
+            <a:endParaRPr lang="en-US" sz="2400" dirty="0" smtClean="0"/>
+          </a:p>
+          <a:p>
+            <a:r>
+              <a:rPr lang="en-US" sz="2400" dirty="0" smtClean="0"/>
+              <a:t>For </a:t>
+            </a:r>
+            <a:r>
+              <a:rPr lang="en-US" sz="2400" dirty="0"/>
+              <a:t>example, </a:t>
+            </a:r>
+            <a:endParaRPr lang="en-US" sz="2400" dirty="0" smtClean="0"/>
+          </a:p>
+          <a:p>
+            <a:pPr lvl="1"/>
+            <a:r>
+              <a:rPr lang="en-US" sz="2400" dirty="0"/>
+              <a:t>N</a:t>
+            </a:r>
+            <a:r>
+              <a:rPr lang="en-US" sz="2400" dirty="0" smtClean="0"/>
+              <a:t>ame </a:t>
+            </a:r>
+            <a:r>
+              <a:rPr lang="en-US" sz="2400" dirty="0"/>
+              <a:t>server in </a:t>
+            </a:r>
+            <a:r>
+              <a:rPr lang="en-US" sz="2400" dirty="0" smtClean="0"/>
+              <a:t>the </a:t>
+            </a:r>
+            <a:r>
+              <a:rPr lang="en-US" sz="2400" i="1" dirty="0" smtClean="0"/>
+              <a:t>dcs.qmul.ac.uk </a:t>
+            </a:r>
+            <a:r>
+              <a:rPr lang="en-US" sz="2400" dirty="0"/>
+              <a:t>domain would not be able to supply the IP address of a computer in </a:t>
+            </a:r>
+            <a:r>
+              <a:rPr lang="en-US" sz="2400" dirty="0" smtClean="0"/>
+              <a:t>the  domain </a:t>
+            </a:r>
+            <a:r>
+              <a:rPr lang="en-US" sz="2400" i="1" dirty="0"/>
+              <a:t>cs.purdue.edu </a:t>
+            </a:r>
+            <a:r>
+              <a:rPr lang="en-US" sz="2400" dirty="0"/>
+              <a:t>unless it was </a:t>
+            </a:r>
+            <a:r>
+              <a:rPr lang="en-US" sz="2400" dirty="0" smtClean="0"/>
+              <a:t>cached</a:t>
+            </a:r>
+            <a:endParaRPr lang="en-US" sz="2400" dirty="0"/>
+          </a:p>
+        </p:txBody>
+      </p:sp>
+    </p:spTree>
+    <p:extLst>
+      <p:ext uri="{BB962C8B-B14F-4D97-AF65-F5344CB8AC3E}">
+        <p14:creationId xmlns:p14="http://schemas.microsoft.com/office/powerpoint/2010/main" val="3585581572"/>
+      </p:ext>
+    </p:extLst>
+  </p:cSld>
+  <p:clrMapOvr>
+    <a:masterClrMapping/>
+  </p:clrMapOvr>
+</p:sld>
+</file>
+
+<file path=ppt/slides/slide118.xml><?xml version="1.0" encoding="utf-8"?>
+<p:sld xmlns:a="http://schemas.openxmlformats.org/drawingml/2006/main" xmlns:r="http://schemas.openxmlformats.org/officeDocument/2006/relationships" xmlns:p="http://schemas.openxmlformats.org/presentationml/2006/main">
+  <p:cSld>
+    <p:spTree>
+      <p:nvGrpSpPr>
+        <p:cNvPr id="1" name=""/>
+        <p:cNvGrpSpPr/>
+        <p:nvPr/>
+      </p:nvGrpSpPr>
+      <p:grpSpPr>
+        <a:xfrm>
+          <a:off x="0" y="0"/>
+          <a:ext cx="0" cy="0"/>
+          <a:chOff x="0" y="0"/>
+          <a:chExt cx="0" cy="0"/>
+        </a:xfrm>
+      </p:grpSpPr>
+      <p:sp>
+        <p:nvSpPr>
+          <p:cNvPr id="2" name="Title 1"/>
+          <p:cNvSpPr>
+            <a:spLocks noGrp="1"/>
+          </p:cNvSpPr>
+          <p:nvPr>
+            <p:ph type="title"/>
+          </p:nvPr>
+        </p:nvSpPr>
+        <p:spPr/>
+        <p:txBody>
+          <a:bodyPr/>
+          <a:lstStyle/>
+          <a:p>
+            <a:r>
+              <a:rPr lang="en-US" b="1" dirty="0"/>
+              <a:t>Name servers and navigation</a:t>
+            </a:r>
+            <a:endParaRPr lang="en-US" dirty="0"/>
+          </a:p>
+        </p:txBody>
+      </p:sp>
+      <p:sp>
+        <p:nvSpPr>
+          <p:cNvPr id="3" name="Content Placeholder 2"/>
+          <p:cNvSpPr>
+            <a:spLocks noGrp="1"/>
+          </p:cNvSpPr>
+          <p:nvPr>
+            <p:ph idx="1"/>
+          </p:nvPr>
+        </p:nvSpPr>
+        <p:spPr/>
+        <p:txBody>
+          <a:bodyPr>
+            <a:noAutofit/>
+          </a:bodyPr>
+          <a:lstStyle/>
+          <a:p>
+            <a:r>
+              <a:rPr lang="en-US" sz="2400" dirty="0"/>
+              <a:t>The process of locating naming data from more than one name server in order </a:t>
+            </a:r>
+            <a:r>
+              <a:rPr lang="en-US" sz="2400" dirty="0" smtClean="0"/>
+              <a:t>to resolve </a:t>
+            </a:r>
+            <a:r>
+              <a:rPr lang="en-US" sz="2400" dirty="0"/>
+              <a:t>a name is called </a:t>
+            </a:r>
+            <a:r>
+              <a:rPr lang="en-US" sz="2400" i="1" dirty="0"/>
+              <a:t>navigation</a:t>
+            </a:r>
+            <a:r>
+              <a:rPr lang="en-US" sz="2400" dirty="0"/>
+              <a:t>. </a:t>
+            </a:r>
+            <a:endParaRPr lang="en-US" sz="2400" dirty="0" smtClean="0"/>
+          </a:p>
+          <a:p>
+            <a:r>
+              <a:rPr lang="en-US" sz="2400" dirty="0" smtClean="0"/>
+              <a:t>The </a:t>
+            </a:r>
+            <a:r>
+              <a:rPr lang="en-US" sz="2400" dirty="0"/>
+              <a:t>client name resolution software carries </a:t>
+            </a:r>
+            <a:r>
+              <a:rPr lang="en-US" sz="2400" dirty="0" smtClean="0"/>
+              <a:t>out navigation </a:t>
+            </a:r>
+            <a:r>
+              <a:rPr lang="en-US" sz="2400" dirty="0"/>
+              <a:t>on behalf of the client. </a:t>
+            </a:r>
+            <a:endParaRPr lang="en-US" sz="2400" dirty="0" smtClean="0"/>
+          </a:p>
+          <a:p>
+            <a:r>
+              <a:rPr lang="en-US" sz="2400" dirty="0" smtClean="0"/>
+              <a:t>It </a:t>
+            </a:r>
+            <a:r>
+              <a:rPr lang="en-US" sz="2400" dirty="0"/>
+              <a:t>communicates with name servers as necessary </a:t>
+            </a:r>
+            <a:r>
+              <a:rPr lang="en-US" sz="2400" dirty="0" smtClean="0"/>
+              <a:t>to resolve </a:t>
+            </a:r>
+            <a:r>
+              <a:rPr lang="en-US" sz="2400" dirty="0"/>
+              <a:t>a name. </a:t>
+            </a:r>
+            <a:endParaRPr lang="en-US" sz="2400" dirty="0" smtClean="0"/>
+          </a:p>
+          <a:p>
+            <a:r>
+              <a:rPr lang="en-US" sz="2400" dirty="0" smtClean="0"/>
+              <a:t>It </a:t>
+            </a:r>
+            <a:r>
+              <a:rPr lang="en-US" sz="2400" dirty="0"/>
+              <a:t>may be provided as library code and linked into clients</a:t>
+            </a:r>
+            <a:r>
+              <a:rPr lang="en-US" sz="2400" dirty="0" smtClean="0"/>
+              <a:t>,</a:t>
+            </a:r>
+          </a:p>
+          <a:p>
+            <a:pPr lvl="1"/>
+            <a:r>
+              <a:rPr lang="en-US" sz="2400" dirty="0" smtClean="0"/>
+              <a:t> Example : </a:t>
+            </a:r>
+            <a:r>
+              <a:rPr lang="en-US" sz="2400" dirty="0"/>
+              <a:t>BIND implementation for </a:t>
+            </a:r>
+            <a:r>
+              <a:rPr lang="en-US" sz="2400" dirty="0" smtClean="0"/>
+              <a:t>DNS.</a:t>
+            </a:r>
+            <a:endParaRPr lang="en-US" sz="2400" dirty="0"/>
+          </a:p>
+        </p:txBody>
+      </p:sp>
+    </p:spTree>
+    <p:extLst>
+      <p:ext uri="{BB962C8B-B14F-4D97-AF65-F5344CB8AC3E}">
+        <p14:creationId xmlns:p14="http://schemas.microsoft.com/office/powerpoint/2010/main" val="1455495370"/>
+      </p:ext>
+    </p:extLst>
+  </p:cSld>
+  <p:clrMapOvr>
+    <a:masterClrMapping/>
+  </p:clrMapOvr>
+</p:sld>
+</file>
+
+<file path=ppt/slides/slide119.xml><?xml version="1.0" encoding="utf-8"?>
+<p:sld xmlns:a="http://schemas.openxmlformats.org/drawingml/2006/main" xmlns:r="http://schemas.openxmlformats.org/officeDocument/2006/relationships" xmlns:p="http://schemas.openxmlformats.org/presentationml/2006/main">
+  <p:cSld>
+    <p:spTree>
+      <p:nvGrpSpPr>
+        <p:cNvPr id="1" name=""/>
+        <p:cNvGrpSpPr/>
+        <p:nvPr/>
+      </p:nvGrpSpPr>
+      <p:grpSpPr>
+        <a:xfrm>
+          <a:off x="0" y="0"/>
+          <a:ext cx="0" cy="0"/>
+          <a:chOff x="0" y="0"/>
+          <a:chExt cx="0" cy="0"/>
+        </a:xfrm>
+      </p:grpSpPr>
+      <p:sp>
+        <p:nvSpPr>
+          <p:cNvPr id="2" name="Title 1"/>
+          <p:cNvSpPr>
+            <a:spLocks noGrp="1"/>
+          </p:cNvSpPr>
+          <p:nvPr>
+            <p:ph type="title"/>
+          </p:nvPr>
+        </p:nvSpPr>
+        <p:spPr>
+          <a:xfrm>
+            <a:off x="2514548" y="190495"/>
+            <a:ext cx="8911687" cy="956495"/>
+          </a:xfrm>
+        </p:spPr>
+        <p:txBody>
+          <a:bodyPr/>
+          <a:lstStyle/>
+          <a:p>
+            <a:r>
+              <a:rPr lang="en-US" b="1" dirty="0"/>
+              <a:t>Name servers and navigation</a:t>
+            </a:r>
+            <a:endParaRPr lang="en-US" dirty="0"/>
+          </a:p>
+        </p:txBody>
+      </p:sp>
+      <p:sp>
+        <p:nvSpPr>
+          <p:cNvPr id="3" name="Content Placeholder 2"/>
+          <p:cNvSpPr>
+            <a:spLocks noGrp="1"/>
+          </p:cNvSpPr>
+          <p:nvPr>
+            <p:ph idx="1"/>
+          </p:nvPr>
+        </p:nvSpPr>
+        <p:spPr>
+          <a:xfrm>
+            <a:off x="1766252" y="1003298"/>
+            <a:ext cx="9324113" cy="3777622"/>
+          </a:xfrm>
+        </p:spPr>
+        <p:txBody>
+          <a:bodyPr>
+            <a:noAutofit/>
+          </a:bodyPr>
+          <a:lstStyle/>
+          <a:p>
+            <a:r>
+              <a:rPr lang="en-US" sz="2400" dirty="0"/>
+              <a:t>One navigation model that DNS supports is known as </a:t>
+            </a:r>
+            <a:r>
+              <a:rPr lang="en-US" sz="2400" i="1" dirty="0"/>
+              <a:t>iterative navigation </a:t>
+            </a:r>
+            <a:endParaRPr lang="en-US" sz="2400" i="1" dirty="0" smtClean="0"/>
+          </a:p>
+          <a:p>
+            <a:r>
+              <a:rPr lang="en-US" sz="2400" dirty="0" smtClean="0"/>
+              <a:t>To </a:t>
+            </a:r>
+            <a:r>
+              <a:rPr lang="en-US" sz="2400" dirty="0"/>
+              <a:t>resolve a name</a:t>
+            </a:r>
+            <a:r>
+              <a:rPr lang="en-US" sz="2400" dirty="0" smtClean="0"/>
+              <a:t>,</a:t>
+            </a:r>
+          </a:p>
+          <a:p>
+            <a:pPr lvl="1"/>
+            <a:r>
+              <a:rPr lang="en-US" sz="2400" dirty="0" smtClean="0"/>
+              <a:t>client </a:t>
+            </a:r>
+            <a:r>
+              <a:rPr lang="en-US" sz="2400" dirty="0"/>
+              <a:t>presents the name to the local name server</a:t>
+            </a:r>
+            <a:r>
+              <a:rPr lang="en-US" sz="2400" dirty="0" smtClean="0"/>
+              <a:t>, which </a:t>
+            </a:r>
+            <a:r>
+              <a:rPr lang="en-US" sz="2400" dirty="0"/>
+              <a:t>attempts to resolve it. </a:t>
+            </a:r>
+            <a:endParaRPr lang="en-US" sz="2400" dirty="0" smtClean="0"/>
+          </a:p>
+          <a:p>
+            <a:pPr lvl="1"/>
+            <a:r>
+              <a:rPr lang="en-US" sz="2400" dirty="0" smtClean="0"/>
+              <a:t>If </a:t>
+            </a:r>
+            <a:r>
+              <a:rPr lang="en-US" sz="2400" dirty="0"/>
+              <a:t>the local name server has the name, it returns the </a:t>
+            </a:r>
+            <a:r>
+              <a:rPr lang="en-US" sz="2400" dirty="0" smtClean="0"/>
+              <a:t>result immediately.</a:t>
+            </a:r>
+          </a:p>
+          <a:p>
+            <a:pPr lvl="1"/>
+            <a:r>
+              <a:rPr lang="en-US" sz="2400" dirty="0" smtClean="0"/>
+              <a:t> </a:t>
+            </a:r>
+            <a:r>
+              <a:rPr lang="en-US" sz="2400" dirty="0"/>
+              <a:t>If it does not, it will suggest another server that will be able to help.</a:t>
+            </a:r>
+          </a:p>
+          <a:p>
+            <a:pPr lvl="1"/>
+            <a:r>
+              <a:rPr lang="en-US" sz="2400" dirty="0"/>
+              <a:t>Resolution proceeds at the new server, </a:t>
+            </a:r>
+            <a:r>
+              <a:rPr lang="en-US" sz="2400" dirty="0" smtClean="0"/>
+              <a:t>until the name </a:t>
+            </a:r>
+            <a:r>
+              <a:rPr lang="en-US" sz="2400" dirty="0"/>
+              <a:t>is located or is discovered to be unbound</a:t>
+            </a:r>
+            <a:r>
+              <a:rPr lang="en-US" sz="2400" dirty="0" smtClean="0"/>
+              <a:t>.</a:t>
+            </a:r>
+          </a:p>
+          <a:p>
+            <a:r>
+              <a:rPr lang="en-US" sz="2000" dirty="0"/>
+              <a:t>The DNS database is partitioned between servers </a:t>
+            </a:r>
+            <a:r>
+              <a:rPr lang="en-US" sz="2000" dirty="0" smtClean="0"/>
+              <a:t>in such </a:t>
+            </a:r>
+            <a:r>
+              <a:rPr lang="en-US" sz="2000" dirty="0"/>
+              <a:t>a way as to allow many queries to be satisfied locally and others to be </a:t>
+            </a:r>
+            <a:r>
+              <a:rPr lang="en-US" sz="2000" dirty="0" smtClean="0"/>
+              <a:t>satisfied without </a:t>
+            </a:r>
+            <a:r>
+              <a:rPr lang="en-US" sz="2000" dirty="0"/>
+              <a:t>needing to resolve each part of the name separately</a:t>
+            </a:r>
+          </a:p>
+        </p:txBody>
+      </p:sp>
+    </p:spTree>
+    <p:extLst>
+      <p:ext uri="{BB962C8B-B14F-4D97-AF65-F5344CB8AC3E}">
+        <p14:creationId xmlns:p14="http://schemas.microsoft.com/office/powerpoint/2010/main" val="3844837411"/>
+      </p:ext>
+    </p:extLst>
+  </p:cSld>
+  <p:clrMapOvr>
+    <a:masterClrMapping/>
+  </p:clrMapOvr>
+</p:sld>
+</file>
+
 <file path=ppt/slides/slide12.xml><?xml version="1.0" encoding="utf-8"?>
 <p:sld xmlns:a="http://schemas.openxmlformats.org/drawingml/2006/main" xmlns:r="http://schemas.openxmlformats.org/officeDocument/2006/relationships" xmlns:p="http://schemas.openxmlformats.org/presentationml/2006/main">
   <p:cSld>
@@ -10748,6 +11826,1061 @@
     <p:extLst>
       <p:ext uri="{BB962C8B-B14F-4D97-AF65-F5344CB8AC3E}">
         <p14:creationId xmlns:p14="http://schemas.microsoft.com/office/powerpoint/2010/main" val="631610188"/>
+      </p:ext>
+    </p:extLst>
+  </p:cSld>
+  <p:clrMapOvr>
+    <a:masterClrMapping/>
+  </p:clrMapOvr>
+</p:sld>
+</file>
+
+<file path=ppt/slides/slide120.xml><?xml version="1.0" encoding="utf-8"?>
+<p:sld xmlns:a="http://schemas.openxmlformats.org/drawingml/2006/main" xmlns:r="http://schemas.openxmlformats.org/officeDocument/2006/relationships" xmlns:p="http://schemas.openxmlformats.org/presentationml/2006/main">
+  <p:cSld>
+    <p:spTree>
+      <p:nvGrpSpPr>
+        <p:cNvPr id="1" name=""/>
+        <p:cNvGrpSpPr/>
+        <p:nvPr/>
+      </p:nvGrpSpPr>
+      <p:grpSpPr>
+        <a:xfrm>
+          <a:off x="0" y="0"/>
+          <a:ext cx="0" cy="0"/>
+          <a:chOff x="0" y="0"/>
+          <a:chExt cx="0" cy="0"/>
+        </a:xfrm>
+      </p:grpSpPr>
+      <p:sp>
+        <p:nvSpPr>
+          <p:cNvPr id="2" name="Title 1"/>
+          <p:cNvSpPr>
+            <a:spLocks noGrp="1"/>
+          </p:cNvSpPr>
+          <p:nvPr>
+            <p:ph type="title"/>
+          </p:nvPr>
+        </p:nvSpPr>
+        <p:spPr/>
+        <p:txBody>
+          <a:bodyPr/>
+          <a:lstStyle/>
+          <a:p>
+            <a:endParaRPr lang="en-US"/>
+          </a:p>
+        </p:txBody>
+      </p:sp>
+      <p:sp>
+        <p:nvSpPr>
+          <p:cNvPr id="3" name="Content Placeholder 2"/>
+          <p:cNvSpPr>
+            <a:spLocks noGrp="1"/>
+          </p:cNvSpPr>
+          <p:nvPr>
+            <p:ph idx="1"/>
+          </p:nvPr>
+        </p:nvSpPr>
+        <p:spPr/>
+        <p:txBody>
+          <a:bodyPr/>
+          <a:lstStyle/>
+          <a:p>
+            <a:endParaRPr lang="en-US"/>
+          </a:p>
+        </p:txBody>
+      </p:sp>
+      <p:pic>
+        <p:nvPicPr>
+          <p:cNvPr id="4" name="Picture 3"/>
+          <p:cNvPicPr>
+            <a:picLocks noChangeAspect="1"/>
+          </p:cNvPicPr>
+          <p:nvPr/>
+        </p:nvPicPr>
+        <p:blipFill>
+          <a:blip r:embed="rId2"/>
+          <a:stretch>
+            <a:fillRect/>
+          </a:stretch>
+        </p:blipFill>
+        <p:spPr>
+          <a:xfrm>
+            <a:off x="2233749" y="678668"/>
+            <a:ext cx="9270863" cy="5232554"/>
+          </a:xfrm>
+          <a:prstGeom prst="rect">
+            <a:avLst/>
+          </a:prstGeom>
+        </p:spPr>
+      </p:pic>
+    </p:spTree>
+    <p:extLst>
+      <p:ext uri="{BB962C8B-B14F-4D97-AF65-F5344CB8AC3E}">
+        <p14:creationId xmlns:p14="http://schemas.microsoft.com/office/powerpoint/2010/main" val="597656318"/>
+      </p:ext>
+    </p:extLst>
+  </p:cSld>
+  <p:clrMapOvr>
+    <a:masterClrMapping/>
+  </p:clrMapOvr>
+</p:sld>
+</file>
+
+<file path=ppt/slides/slide121.xml><?xml version="1.0" encoding="utf-8"?>
+<p:sld xmlns:a="http://schemas.openxmlformats.org/drawingml/2006/main" xmlns:r="http://schemas.openxmlformats.org/officeDocument/2006/relationships" xmlns:p="http://schemas.openxmlformats.org/presentationml/2006/main">
+  <p:cSld>
+    <p:spTree>
+      <p:nvGrpSpPr>
+        <p:cNvPr id="1" name=""/>
+        <p:cNvGrpSpPr/>
+        <p:nvPr/>
+      </p:nvGrpSpPr>
+      <p:grpSpPr>
+        <a:xfrm>
+          <a:off x="0" y="0"/>
+          <a:ext cx="0" cy="0"/>
+          <a:chOff x="0" y="0"/>
+          <a:chExt cx="0" cy="0"/>
+        </a:xfrm>
+      </p:grpSpPr>
+      <p:sp>
+        <p:nvSpPr>
+          <p:cNvPr id="2" name="Title 1"/>
+          <p:cNvSpPr>
+            <a:spLocks noGrp="1"/>
+          </p:cNvSpPr>
+          <p:nvPr>
+            <p:ph type="title"/>
+          </p:nvPr>
+        </p:nvSpPr>
+        <p:spPr/>
+        <p:txBody>
+          <a:bodyPr/>
+          <a:lstStyle/>
+          <a:p>
+            <a:r>
+              <a:rPr lang="en-US" b="1" dirty="0"/>
+              <a:t>Name servers and navigation</a:t>
+            </a:r>
+            <a:endParaRPr lang="en-US" dirty="0"/>
+          </a:p>
+        </p:txBody>
+      </p:sp>
+      <p:sp>
+        <p:nvSpPr>
+          <p:cNvPr id="3" name="Content Placeholder 2"/>
+          <p:cNvSpPr>
+            <a:spLocks noGrp="1"/>
+          </p:cNvSpPr>
+          <p:nvPr>
+            <p:ph idx="1"/>
+          </p:nvPr>
+        </p:nvSpPr>
+        <p:spPr/>
+        <p:txBody>
+          <a:bodyPr>
+            <a:normAutofit/>
+          </a:bodyPr>
+          <a:lstStyle/>
+          <a:p>
+            <a:r>
+              <a:rPr lang="en-US" sz="2400" dirty="0"/>
+              <a:t>In </a:t>
+            </a:r>
+            <a:r>
+              <a:rPr lang="en-US" sz="2400" i="1" dirty="0"/>
+              <a:t>multicast navigation</a:t>
+            </a:r>
+            <a:r>
+              <a:rPr lang="en-US" sz="2400" dirty="0"/>
+              <a:t>, a client multicasts the name to be resolved and </a:t>
+            </a:r>
+            <a:r>
+              <a:rPr lang="en-US" sz="2400" dirty="0" smtClean="0"/>
+              <a:t>the required </a:t>
+            </a:r>
+            <a:r>
+              <a:rPr lang="en-US" sz="2400" dirty="0"/>
+              <a:t>object type to the group of name servers. </a:t>
+            </a:r>
+            <a:endParaRPr lang="en-US" sz="2400" dirty="0" smtClean="0"/>
+          </a:p>
+          <a:p>
+            <a:r>
+              <a:rPr lang="en-US" sz="2400" dirty="0" smtClean="0"/>
+              <a:t>Only </a:t>
+            </a:r>
+            <a:r>
+              <a:rPr lang="en-US" sz="2400" dirty="0"/>
+              <a:t>the server that holds the </a:t>
+            </a:r>
+            <a:r>
+              <a:rPr lang="en-US" sz="2400" dirty="0" smtClean="0"/>
+              <a:t>named attributes </a:t>
+            </a:r>
+            <a:r>
+              <a:rPr lang="en-US" sz="2400" dirty="0"/>
+              <a:t>responds to the request. </a:t>
+            </a:r>
+            <a:endParaRPr lang="en-US" sz="2400" dirty="0" smtClean="0"/>
+          </a:p>
+          <a:p>
+            <a:r>
+              <a:rPr lang="en-US" sz="2400" dirty="0" smtClean="0"/>
+              <a:t>if </a:t>
+            </a:r>
+            <a:r>
+              <a:rPr lang="en-US" sz="2400" dirty="0"/>
+              <a:t>the name proves to </a:t>
+            </a:r>
+            <a:r>
+              <a:rPr lang="en-US" sz="2400" dirty="0" smtClean="0"/>
+              <a:t>be unbound</a:t>
+            </a:r>
+            <a:r>
+              <a:rPr lang="en-US" sz="2400" dirty="0"/>
+              <a:t>, the request is greeted with silence. </a:t>
+            </a:r>
+            <a:endParaRPr lang="en-US" sz="2400" dirty="0"/>
+          </a:p>
+        </p:txBody>
+      </p:sp>
+    </p:spTree>
+    <p:extLst>
+      <p:ext uri="{BB962C8B-B14F-4D97-AF65-F5344CB8AC3E}">
+        <p14:creationId xmlns:p14="http://schemas.microsoft.com/office/powerpoint/2010/main" val="3198800439"/>
+      </p:ext>
+    </p:extLst>
+  </p:cSld>
+  <p:clrMapOvr>
+    <a:masterClrMapping/>
+  </p:clrMapOvr>
+</p:sld>
+</file>
+
+<file path=ppt/slides/slide122.xml><?xml version="1.0" encoding="utf-8"?>
+<p:sld xmlns:a="http://schemas.openxmlformats.org/drawingml/2006/main" xmlns:r="http://schemas.openxmlformats.org/officeDocument/2006/relationships" xmlns:p="http://schemas.openxmlformats.org/presentationml/2006/main">
+  <p:cSld>
+    <p:spTree>
+      <p:nvGrpSpPr>
+        <p:cNvPr id="1" name=""/>
+        <p:cNvGrpSpPr/>
+        <p:nvPr/>
+      </p:nvGrpSpPr>
+      <p:grpSpPr>
+        <a:xfrm>
+          <a:off x="0" y="0"/>
+          <a:ext cx="0" cy="0"/>
+          <a:chOff x="0" y="0"/>
+          <a:chExt cx="0" cy="0"/>
+        </a:xfrm>
+      </p:grpSpPr>
+      <p:sp>
+        <p:nvSpPr>
+          <p:cNvPr id="2" name="Title 1"/>
+          <p:cNvSpPr>
+            <a:spLocks noGrp="1"/>
+          </p:cNvSpPr>
+          <p:nvPr>
+            <p:ph type="title"/>
+          </p:nvPr>
+        </p:nvSpPr>
+        <p:spPr/>
+        <p:txBody>
+          <a:bodyPr/>
+          <a:lstStyle/>
+          <a:p>
+            <a:r>
+              <a:rPr lang="en-US" b="1" dirty="0"/>
+              <a:t>Name servers and navigation</a:t>
+            </a:r>
+            <a:endParaRPr lang="en-US" dirty="0"/>
+          </a:p>
+        </p:txBody>
+      </p:sp>
+      <p:sp>
+        <p:nvSpPr>
+          <p:cNvPr id="3" name="Content Placeholder 2"/>
+          <p:cNvSpPr>
+            <a:spLocks noGrp="1"/>
+          </p:cNvSpPr>
+          <p:nvPr>
+            <p:ph idx="1"/>
+          </p:nvPr>
+        </p:nvSpPr>
+        <p:spPr>
+          <a:xfrm>
+            <a:off x="2040572" y="1415143"/>
+            <a:ext cx="8915400" cy="3777622"/>
+          </a:xfrm>
+        </p:spPr>
+        <p:txBody>
+          <a:bodyPr>
+            <a:noAutofit/>
+          </a:bodyPr>
+          <a:lstStyle/>
+          <a:p>
+            <a:r>
+              <a:rPr lang="en-US" sz="2000" dirty="0"/>
+              <a:t>Another alternative to the iterative navigation model is one in which a name </a:t>
+            </a:r>
+            <a:r>
+              <a:rPr lang="en-US" sz="2000" dirty="0" smtClean="0"/>
+              <a:t>server coordinates </a:t>
+            </a:r>
+            <a:r>
+              <a:rPr lang="en-US" sz="2000" dirty="0"/>
+              <a:t>the resolution of the name and passes the result back to the </a:t>
+            </a:r>
+            <a:r>
+              <a:rPr lang="en-US" sz="2000" b="1" dirty="0"/>
+              <a:t>user agent</a:t>
+            </a:r>
+            <a:r>
+              <a:rPr lang="en-US" sz="2000" dirty="0"/>
+              <a:t>. </a:t>
+            </a:r>
+            <a:endParaRPr lang="en-US" sz="2000" dirty="0" smtClean="0"/>
+          </a:p>
+          <a:p>
+            <a:r>
+              <a:rPr lang="en-US" sz="2000" b="1" i="1" dirty="0"/>
+              <a:t>N</a:t>
+            </a:r>
+            <a:r>
+              <a:rPr lang="en-US" sz="2000" b="1" i="1" dirty="0" smtClean="0"/>
+              <a:t>on-recursive </a:t>
+            </a:r>
+            <a:r>
+              <a:rPr lang="en-US" sz="2000" b="1" dirty="0"/>
+              <a:t>and </a:t>
+            </a:r>
+            <a:r>
+              <a:rPr lang="en-US" sz="2000" b="1" i="1" dirty="0"/>
+              <a:t>recursive server-controlled </a:t>
+            </a:r>
+            <a:r>
+              <a:rPr lang="en-US" sz="2000" b="1" i="1" dirty="0" smtClean="0"/>
+              <a:t>navigation</a:t>
+            </a:r>
+            <a:r>
+              <a:rPr lang="en-US" sz="2000" dirty="0" smtClean="0"/>
+              <a:t>. </a:t>
+            </a:r>
+          </a:p>
+          <a:p>
+            <a:r>
+              <a:rPr lang="en-US" sz="2000" dirty="0" smtClean="0"/>
+              <a:t>Under </a:t>
+            </a:r>
+            <a:r>
+              <a:rPr lang="en-US" sz="2000" dirty="0"/>
+              <a:t>non-recursive server-controlled navigation, </a:t>
+            </a:r>
+            <a:endParaRPr lang="en-US" sz="2000" dirty="0" smtClean="0"/>
+          </a:p>
+          <a:p>
+            <a:pPr lvl="1"/>
+            <a:r>
+              <a:rPr lang="en-US" sz="2000" dirty="0"/>
+              <a:t>A</a:t>
+            </a:r>
+            <a:r>
+              <a:rPr lang="en-US" sz="2000" dirty="0" smtClean="0"/>
+              <a:t>ny </a:t>
+            </a:r>
+            <a:r>
+              <a:rPr lang="en-US" sz="2000" dirty="0"/>
+              <a:t>name server may </a:t>
+            </a:r>
+            <a:r>
+              <a:rPr lang="en-US" sz="2000" dirty="0" smtClean="0"/>
+              <a:t>be chosen </a:t>
+            </a:r>
+            <a:r>
+              <a:rPr lang="en-US" sz="2000" dirty="0"/>
+              <a:t>by the client</a:t>
+            </a:r>
+            <a:r>
+              <a:rPr lang="en-US" sz="2000" dirty="0" smtClean="0"/>
+              <a:t>.</a:t>
+            </a:r>
+          </a:p>
+          <a:p>
+            <a:pPr lvl="1"/>
+            <a:r>
+              <a:rPr lang="en-US" sz="2000" dirty="0" smtClean="0"/>
+              <a:t> </a:t>
+            </a:r>
+            <a:r>
+              <a:rPr lang="en-US" sz="2000" dirty="0"/>
+              <a:t>This server communicates by multicast or iteratively with its </a:t>
+            </a:r>
+            <a:r>
+              <a:rPr lang="en-US" sz="2000" dirty="0" smtClean="0"/>
+              <a:t>peers </a:t>
+            </a:r>
+            <a:endParaRPr lang="en-US" sz="2000" dirty="0"/>
+          </a:p>
+          <a:p>
+            <a:r>
+              <a:rPr lang="en-US" sz="2000" dirty="0" smtClean="0"/>
+              <a:t>Under </a:t>
+            </a:r>
+            <a:r>
+              <a:rPr lang="en-US" sz="2000" dirty="0"/>
+              <a:t>recursive </a:t>
+            </a:r>
+            <a:r>
+              <a:rPr lang="en-US" sz="2000" dirty="0" smtClean="0"/>
+              <a:t>server-controlled navigation</a:t>
+            </a:r>
+            <a:r>
+              <a:rPr lang="en-US" sz="2000" dirty="0"/>
+              <a:t>, </a:t>
+            </a:r>
+            <a:endParaRPr lang="en-US" sz="2000" dirty="0" smtClean="0"/>
+          </a:p>
+          <a:p>
+            <a:pPr lvl="1"/>
+            <a:r>
+              <a:rPr lang="en-US" sz="2000" dirty="0" smtClean="0"/>
+              <a:t>Client contacts </a:t>
+            </a:r>
+            <a:r>
+              <a:rPr lang="en-US" sz="2000" dirty="0"/>
+              <a:t>a single server. </a:t>
+            </a:r>
+            <a:endParaRPr lang="en-US" sz="2000" dirty="0" smtClean="0"/>
+          </a:p>
+          <a:p>
+            <a:pPr lvl="1"/>
+            <a:r>
+              <a:rPr lang="en-US" sz="2000" dirty="0" smtClean="0"/>
+              <a:t>If </a:t>
+            </a:r>
+            <a:r>
+              <a:rPr lang="en-US" sz="2000" dirty="0"/>
+              <a:t>this server does not store </a:t>
+            </a:r>
+            <a:r>
+              <a:rPr lang="en-US" sz="2000" dirty="0" smtClean="0"/>
+              <a:t>the name</a:t>
+            </a:r>
+            <a:r>
+              <a:rPr lang="en-US" sz="2000" dirty="0"/>
+              <a:t>, </a:t>
+            </a:r>
+            <a:endParaRPr lang="en-US" sz="2000" dirty="0" smtClean="0"/>
+          </a:p>
+          <a:p>
+            <a:pPr lvl="1"/>
+            <a:r>
+              <a:rPr lang="en-US" sz="2000" dirty="0"/>
+              <a:t>S</a:t>
+            </a:r>
+            <a:r>
+              <a:rPr lang="en-US" sz="2000" dirty="0" smtClean="0"/>
+              <a:t>erver </a:t>
+            </a:r>
+            <a:r>
+              <a:rPr lang="en-US" sz="2000" dirty="0"/>
+              <a:t>contacts a peer storing a </a:t>
+            </a:r>
+            <a:r>
+              <a:rPr lang="en-US" sz="2000" dirty="0" smtClean="0"/>
+              <a:t>prefix </a:t>
+            </a:r>
+            <a:r>
+              <a:rPr lang="en-US" sz="2000" dirty="0"/>
+              <a:t>of the name, which in </a:t>
+            </a:r>
+            <a:r>
+              <a:rPr lang="en-US" sz="2000" dirty="0" smtClean="0"/>
+              <a:t>turn  attempts </a:t>
+            </a:r>
+            <a:r>
+              <a:rPr lang="en-US" sz="2000" dirty="0"/>
+              <a:t>to resolve it. </a:t>
+            </a:r>
+            <a:endParaRPr lang="en-US" sz="2000" dirty="0" smtClean="0"/>
+          </a:p>
+          <a:p>
+            <a:pPr lvl="1"/>
+            <a:r>
+              <a:rPr lang="en-US" sz="2000" dirty="0" smtClean="0"/>
+              <a:t>This </a:t>
+            </a:r>
+            <a:r>
+              <a:rPr lang="en-US" sz="2000" dirty="0"/>
+              <a:t>procedure continues recursively until the name is resolved.</a:t>
+            </a:r>
+            <a:endParaRPr lang="en-US" sz="2000" dirty="0"/>
+          </a:p>
+        </p:txBody>
+      </p:sp>
+    </p:spTree>
+    <p:extLst>
+      <p:ext uri="{BB962C8B-B14F-4D97-AF65-F5344CB8AC3E}">
+        <p14:creationId xmlns:p14="http://schemas.microsoft.com/office/powerpoint/2010/main" val="697850368"/>
+      </p:ext>
+    </p:extLst>
+  </p:cSld>
+  <p:clrMapOvr>
+    <a:masterClrMapping/>
+  </p:clrMapOvr>
+</p:sld>
+</file>
+
+<file path=ppt/slides/slide123.xml><?xml version="1.0" encoding="utf-8"?>
+<p:sld xmlns:a="http://schemas.openxmlformats.org/drawingml/2006/main" xmlns:r="http://schemas.openxmlformats.org/officeDocument/2006/relationships" xmlns:p="http://schemas.openxmlformats.org/presentationml/2006/main">
+  <p:cSld>
+    <p:spTree>
+      <p:nvGrpSpPr>
+        <p:cNvPr id="1" name=""/>
+        <p:cNvGrpSpPr/>
+        <p:nvPr/>
+      </p:nvGrpSpPr>
+      <p:grpSpPr>
+        <a:xfrm>
+          <a:off x="0" y="0"/>
+          <a:ext cx="0" cy="0"/>
+          <a:chOff x="0" y="0"/>
+          <a:chExt cx="0" cy="0"/>
+        </a:xfrm>
+      </p:grpSpPr>
+      <p:sp>
+        <p:nvSpPr>
+          <p:cNvPr id="2" name="Title 1"/>
+          <p:cNvSpPr>
+            <a:spLocks noGrp="1"/>
+          </p:cNvSpPr>
+          <p:nvPr>
+            <p:ph type="title"/>
+          </p:nvPr>
+        </p:nvSpPr>
+        <p:spPr/>
+        <p:txBody>
+          <a:bodyPr/>
+          <a:lstStyle/>
+          <a:p>
+            <a:endParaRPr lang="en-US"/>
+          </a:p>
+        </p:txBody>
+      </p:sp>
+      <p:pic>
+        <p:nvPicPr>
+          <p:cNvPr id="4" name="Content Placeholder 3"/>
+          <p:cNvPicPr>
+            <a:picLocks noGrp="1" noChangeAspect="1"/>
+          </p:cNvPicPr>
+          <p:nvPr>
+            <p:ph idx="1"/>
+          </p:nvPr>
+        </p:nvPicPr>
+        <p:blipFill>
+          <a:blip r:embed="rId2"/>
+          <a:stretch>
+            <a:fillRect/>
+          </a:stretch>
+        </p:blipFill>
+        <p:spPr>
+          <a:xfrm>
+            <a:off x="1654899" y="1136468"/>
+            <a:ext cx="9880544" cy="4598126"/>
+          </a:xfrm>
+          <a:prstGeom prst="rect">
+            <a:avLst/>
+          </a:prstGeom>
+        </p:spPr>
+      </p:pic>
+    </p:spTree>
+    <p:extLst>
+      <p:ext uri="{BB962C8B-B14F-4D97-AF65-F5344CB8AC3E}">
+        <p14:creationId xmlns:p14="http://schemas.microsoft.com/office/powerpoint/2010/main" val="103723172"/>
+      </p:ext>
+    </p:extLst>
+  </p:cSld>
+  <p:clrMapOvr>
+    <a:masterClrMapping/>
+  </p:clrMapOvr>
+</p:sld>
+</file>
+
+<file path=ppt/slides/slide124.xml><?xml version="1.0" encoding="utf-8"?>
+<p:sld xmlns:a="http://schemas.openxmlformats.org/drawingml/2006/main" xmlns:r="http://schemas.openxmlformats.org/officeDocument/2006/relationships" xmlns:p="http://schemas.openxmlformats.org/presentationml/2006/main">
+  <p:cSld>
+    <p:spTree>
+      <p:nvGrpSpPr>
+        <p:cNvPr id="1" name=""/>
+        <p:cNvGrpSpPr/>
+        <p:nvPr/>
+      </p:nvGrpSpPr>
+      <p:grpSpPr>
+        <a:xfrm>
+          <a:off x="0" y="0"/>
+          <a:ext cx="0" cy="0"/>
+          <a:chOff x="0" y="0"/>
+          <a:chExt cx="0" cy="0"/>
+        </a:xfrm>
+      </p:grpSpPr>
+      <p:sp>
+        <p:nvSpPr>
+          <p:cNvPr id="2" name="Title 1"/>
+          <p:cNvSpPr>
+            <a:spLocks noGrp="1"/>
+          </p:cNvSpPr>
+          <p:nvPr>
+            <p:ph type="title"/>
+          </p:nvPr>
+        </p:nvSpPr>
+        <p:spPr/>
+        <p:txBody>
+          <a:bodyPr/>
+          <a:lstStyle/>
+          <a:p>
+            <a:r>
+              <a:rPr lang="en-US" b="1" dirty="0"/>
+              <a:t>Name servers and navigation</a:t>
+            </a:r>
+            <a:endParaRPr lang="en-US" dirty="0"/>
+          </a:p>
+        </p:txBody>
+      </p:sp>
+      <p:sp>
+        <p:nvSpPr>
+          <p:cNvPr id="3" name="Content Placeholder 2"/>
+          <p:cNvSpPr>
+            <a:spLocks noGrp="1"/>
+          </p:cNvSpPr>
+          <p:nvPr>
+            <p:ph idx="1"/>
+          </p:nvPr>
+        </p:nvSpPr>
+        <p:spPr>
+          <a:xfrm>
+            <a:off x="2132012" y="1545772"/>
+            <a:ext cx="8915400" cy="3777622"/>
+          </a:xfrm>
+        </p:spPr>
+        <p:txBody>
+          <a:bodyPr>
+            <a:noAutofit/>
+          </a:bodyPr>
+          <a:lstStyle/>
+          <a:p>
+            <a:r>
+              <a:rPr lang="en-US" sz="2000" dirty="0"/>
+              <a:t>If a name service spans distinct administrative domains, </a:t>
+            </a:r>
+            <a:endParaRPr lang="en-US" sz="2000" dirty="0" smtClean="0"/>
+          </a:p>
+          <a:p>
+            <a:pPr lvl="1"/>
+            <a:r>
+              <a:rPr lang="en-US" sz="2000" dirty="0" smtClean="0"/>
+              <a:t>Clients </a:t>
+            </a:r>
+            <a:r>
+              <a:rPr lang="en-US" sz="2000" dirty="0"/>
+              <a:t>executing </a:t>
+            </a:r>
+            <a:r>
+              <a:rPr lang="en-US" sz="2000" dirty="0" smtClean="0"/>
+              <a:t>in one </a:t>
+            </a:r>
+            <a:r>
+              <a:rPr lang="en-US" sz="2000" dirty="0"/>
+              <a:t>administrative domain may be prohibited from accessing name servers belonging </a:t>
+            </a:r>
+            <a:r>
+              <a:rPr lang="en-US" sz="2000" dirty="0" smtClean="0"/>
+              <a:t>to another </a:t>
+            </a:r>
+            <a:r>
+              <a:rPr lang="en-US" sz="2000" dirty="0"/>
+              <a:t>such domain. </a:t>
+            </a:r>
+            <a:endParaRPr lang="en-US" sz="2000" dirty="0" smtClean="0"/>
+          </a:p>
+          <a:p>
+            <a:r>
+              <a:rPr lang="en-US" sz="2000" dirty="0"/>
+              <a:t>E</a:t>
+            </a:r>
+            <a:r>
+              <a:rPr lang="en-US" sz="2000" dirty="0" smtClean="0"/>
+              <a:t>ven </a:t>
+            </a:r>
+            <a:r>
+              <a:rPr lang="en-US" sz="2000" dirty="0"/>
+              <a:t>name servers may be prohibited from </a:t>
+            </a:r>
+            <a:r>
+              <a:rPr lang="en-US" sz="2000" dirty="0" smtClean="0"/>
+              <a:t>discovering the </a:t>
+            </a:r>
+            <a:r>
+              <a:rPr lang="en-US" sz="2000" dirty="0"/>
+              <a:t>disposition of naming data across name servers in another administrative domain.</a:t>
+            </a:r>
+          </a:p>
+          <a:p>
+            <a:r>
+              <a:rPr lang="en-US" sz="2000" dirty="0"/>
+              <a:t>Then, both client-controlled and non-recursive server-controlled navigation </a:t>
+            </a:r>
+            <a:r>
+              <a:rPr lang="en-US" sz="2000" dirty="0" smtClean="0"/>
+              <a:t>are inappropriate</a:t>
+            </a:r>
+          </a:p>
+          <a:p>
+            <a:r>
+              <a:rPr lang="en-US" sz="2000" dirty="0" smtClean="0"/>
+              <a:t>Recursive </a:t>
+            </a:r>
+            <a:r>
+              <a:rPr lang="en-US" sz="2000" dirty="0"/>
+              <a:t>server-controlled navigation must be used. </a:t>
+            </a:r>
+            <a:endParaRPr lang="en-US" sz="2000" dirty="0" smtClean="0"/>
+          </a:p>
+          <a:p>
+            <a:pPr lvl="1"/>
+            <a:r>
+              <a:rPr lang="en-US" sz="2000" dirty="0" smtClean="0"/>
+              <a:t>Authorized name </a:t>
+            </a:r>
+            <a:r>
+              <a:rPr lang="en-US" sz="2000" dirty="0"/>
+              <a:t>servers request name service data from designated name servers managed </a:t>
+            </a:r>
+            <a:r>
+              <a:rPr lang="en-US" sz="2000" dirty="0" smtClean="0"/>
+              <a:t>by different </a:t>
+            </a:r>
+            <a:r>
+              <a:rPr lang="en-US" sz="2000" dirty="0"/>
+              <a:t>administrations, </a:t>
+            </a:r>
+            <a:endParaRPr lang="en-US" sz="2000" dirty="0" smtClean="0"/>
+          </a:p>
+          <a:p>
+            <a:pPr lvl="1"/>
+            <a:r>
+              <a:rPr lang="en-US" sz="2000" dirty="0" smtClean="0"/>
+              <a:t>Return </a:t>
+            </a:r>
+            <a:r>
+              <a:rPr lang="en-US" sz="2000" dirty="0"/>
+              <a:t>the attributes without revealing where </a:t>
+            </a:r>
+            <a:r>
+              <a:rPr lang="en-US" sz="2000" dirty="0" smtClean="0"/>
+              <a:t>the different </a:t>
+            </a:r>
+            <a:r>
+              <a:rPr lang="en-US" sz="2000" dirty="0"/>
+              <a:t>parts of the naming database </a:t>
+            </a:r>
+            <a:r>
+              <a:rPr lang="en-US" sz="2000" dirty="0" smtClean="0"/>
+              <a:t>are </a:t>
+            </a:r>
+            <a:r>
+              <a:rPr lang="en-US" sz="2000" dirty="0"/>
+              <a:t>stored.</a:t>
+            </a:r>
+            <a:endParaRPr lang="en-US" sz="2000" dirty="0"/>
+          </a:p>
+        </p:txBody>
+      </p:sp>
+    </p:spTree>
+    <p:extLst>
+      <p:ext uri="{BB962C8B-B14F-4D97-AF65-F5344CB8AC3E}">
+        <p14:creationId xmlns:p14="http://schemas.microsoft.com/office/powerpoint/2010/main" val="4080999837"/>
+      </p:ext>
+    </p:extLst>
+  </p:cSld>
+  <p:clrMapOvr>
+    <a:masterClrMapping/>
+  </p:clrMapOvr>
+</p:sld>
+</file>
+
+<file path=ppt/slides/slide125.xml><?xml version="1.0" encoding="utf-8"?>
+<p:sld xmlns:a="http://schemas.openxmlformats.org/drawingml/2006/main" xmlns:r="http://schemas.openxmlformats.org/officeDocument/2006/relationships" xmlns:p="http://schemas.openxmlformats.org/presentationml/2006/main">
+  <p:cSld>
+    <p:spTree>
+      <p:nvGrpSpPr>
+        <p:cNvPr id="1" name=""/>
+        <p:cNvGrpSpPr/>
+        <p:nvPr/>
+      </p:nvGrpSpPr>
+      <p:grpSpPr>
+        <a:xfrm>
+          <a:off x="0" y="0"/>
+          <a:ext cx="0" cy="0"/>
+          <a:chOff x="0" y="0"/>
+          <a:chExt cx="0" cy="0"/>
+        </a:xfrm>
+      </p:grpSpPr>
+      <p:sp>
+        <p:nvSpPr>
+          <p:cNvPr id="2" name="Title 1"/>
+          <p:cNvSpPr>
+            <a:spLocks noGrp="1"/>
+          </p:cNvSpPr>
+          <p:nvPr>
+            <p:ph type="title"/>
+          </p:nvPr>
+        </p:nvSpPr>
+        <p:spPr/>
+        <p:txBody>
+          <a:bodyPr/>
+          <a:lstStyle/>
+          <a:p>
+            <a:r>
+              <a:rPr lang="en-US" b="1" dirty="0"/>
+              <a:t>Caching</a:t>
+            </a:r>
+            <a:endParaRPr lang="en-US" dirty="0"/>
+          </a:p>
+        </p:txBody>
+      </p:sp>
+      <p:sp>
+        <p:nvSpPr>
+          <p:cNvPr id="3" name="Content Placeholder 2"/>
+          <p:cNvSpPr>
+            <a:spLocks noGrp="1"/>
+          </p:cNvSpPr>
+          <p:nvPr>
+            <p:ph idx="1"/>
+          </p:nvPr>
+        </p:nvSpPr>
+        <p:spPr>
+          <a:xfrm>
+            <a:off x="2589212" y="1905000"/>
+            <a:ext cx="8915400" cy="3777622"/>
+          </a:xfrm>
+        </p:spPr>
+        <p:txBody>
+          <a:bodyPr>
+            <a:noAutofit/>
+          </a:bodyPr>
+          <a:lstStyle/>
+          <a:p>
+            <a:r>
+              <a:rPr lang="en-US" sz="2400" dirty="0"/>
+              <a:t>In DNS and other name services, client name resolution software and </a:t>
+            </a:r>
+            <a:r>
+              <a:rPr lang="en-US" sz="2400" dirty="0" smtClean="0"/>
+              <a:t>servers maintain </a:t>
+            </a:r>
+            <a:r>
+              <a:rPr lang="en-US" sz="2400" dirty="0"/>
+              <a:t>a cache of the results of previous name resolutions</a:t>
+            </a:r>
+            <a:r>
+              <a:rPr lang="en-US" sz="2400" dirty="0" smtClean="0"/>
+              <a:t>.</a:t>
+            </a:r>
+          </a:p>
+          <a:p>
+            <a:r>
+              <a:rPr lang="en-US" sz="2400" dirty="0" smtClean="0"/>
+              <a:t>When </a:t>
+            </a:r>
+            <a:r>
+              <a:rPr lang="en-US" sz="2400" dirty="0"/>
+              <a:t>a client requests </a:t>
+            </a:r>
+            <a:r>
+              <a:rPr lang="en-US" sz="2400" dirty="0" smtClean="0"/>
+              <a:t>a name </a:t>
+            </a:r>
+            <a:r>
+              <a:rPr lang="en-US" sz="2400" dirty="0"/>
+              <a:t>lookup, the name resolution software consults its cache</a:t>
+            </a:r>
+            <a:r>
+              <a:rPr lang="en-US" sz="2400" dirty="0" smtClean="0"/>
+              <a:t>.</a:t>
+            </a:r>
+          </a:p>
+          <a:p>
+            <a:r>
+              <a:rPr lang="en-US" sz="2400" dirty="0" smtClean="0"/>
+              <a:t> </a:t>
+            </a:r>
+            <a:r>
+              <a:rPr lang="en-US" sz="2400" dirty="0"/>
+              <a:t>If it holds a recent </a:t>
+            </a:r>
+            <a:r>
+              <a:rPr lang="en-US" sz="2400" dirty="0" smtClean="0"/>
+              <a:t>result from </a:t>
+            </a:r>
+            <a:r>
+              <a:rPr lang="en-US" sz="2400" dirty="0"/>
+              <a:t>a previous lookup for the name, it returns it to the client; </a:t>
+            </a:r>
+            <a:endParaRPr lang="en-US" sz="2400" dirty="0" smtClean="0"/>
+          </a:p>
+          <a:p>
+            <a:pPr lvl="1"/>
+            <a:r>
+              <a:rPr lang="en-US" sz="2400" dirty="0" smtClean="0"/>
+              <a:t>otherwise</a:t>
+            </a:r>
+            <a:r>
+              <a:rPr lang="en-US" sz="2400" dirty="0"/>
+              <a:t>, it sets </a:t>
+            </a:r>
+            <a:r>
+              <a:rPr lang="en-US" sz="2400" dirty="0" smtClean="0"/>
+              <a:t>about finding </a:t>
+            </a:r>
+            <a:r>
+              <a:rPr lang="en-US" sz="2400" dirty="0"/>
+              <a:t>it from a server. </a:t>
+            </a:r>
+            <a:endParaRPr lang="en-US" sz="2400" dirty="0" smtClean="0"/>
+          </a:p>
+          <a:p>
+            <a:r>
+              <a:rPr lang="en-US" sz="2400" dirty="0" smtClean="0"/>
+              <a:t>Server</a:t>
+            </a:r>
+            <a:r>
+              <a:rPr lang="en-US" sz="2400" dirty="0"/>
+              <a:t>, in turn, may return data cached from other servers</a:t>
+            </a:r>
+            <a:r>
+              <a:rPr lang="en-US" sz="2400" dirty="0" smtClean="0"/>
+              <a:t>.</a:t>
+            </a:r>
+          </a:p>
+          <a:p>
+            <a:pPr lvl="1"/>
+            <a:endParaRPr lang="en-US" sz="2400" dirty="0"/>
+          </a:p>
+        </p:txBody>
+      </p:sp>
+    </p:spTree>
+    <p:extLst>
+      <p:ext uri="{BB962C8B-B14F-4D97-AF65-F5344CB8AC3E}">
+        <p14:creationId xmlns:p14="http://schemas.microsoft.com/office/powerpoint/2010/main" val="2480349344"/>
+      </p:ext>
+    </p:extLst>
+  </p:cSld>
+  <p:clrMapOvr>
+    <a:masterClrMapping/>
+  </p:clrMapOvr>
+</p:sld>
+</file>
+
+<file path=ppt/slides/slide126.xml><?xml version="1.0" encoding="utf-8"?>
+<p:sld xmlns:a="http://schemas.openxmlformats.org/drawingml/2006/main" xmlns:r="http://schemas.openxmlformats.org/officeDocument/2006/relationships" xmlns:p="http://schemas.openxmlformats.org/presentationml/2006/main">
+  <p:cSld>
+    <p:spTree>
+      <p:nvGrpSpPr>
+        <p:cNvPr id="1" name=""/>
+        <p:cNvGrpSpPr/>
+        <p:nvPr/>
+      </p:nvGrpSpPr>
+      <p:grpSpPr>
+        <a:xfrm>
+          <a:off x="0" y="0"/>
+          <a:ext cx="0" cy="0"/>
+          <a:chOff x="0" y="0"/>
+          <a:chExt cx="0" cy="0"/>
+        </a:xfrm>
+      </p:grpSpPr>
+      <p:sp>
+        <p:nvSpPr>
+          <p:cNvPr id="2" name="Title 1"/>
+          <p:cNvSpPr>
+            <a:spLocks noGrp="1"/>
+          </p:cNvSpPr>
+          <p:nvPr>
+            <p:ph type="title"/>
+          </p:nvPr>
+        </p:nvSpPr>
+        <p:spPr/>
+        <p:txBody>
+          <a:bodyPr/>
+          <a:lstStyle/>
+          <a:p>
+            <a:endParaRPr lang="en-US"/>
+          </a:p>
+        </p:txBody>
+      </p:sp>
+      <p:sp>
+        <p:nvSpPr>
+          <p:cNvPr id="3" name="Content Placeholder 2"/>
+          <p:cNvSpPr>
+            <a:spLocks noGrp="1"/>
+          </p:cNvSpPr>
+          <p:nvPr>
+            <p:ph idx="1"/>
+          </p:nvPr>
+        </p:nvSpPr>
+        <p:spPr/>
+        <p:txBody>
+          <a:bodyPr>
+            <a:normAutofit/>
+          </a:bodyPr>
+          <a:lstStyle/>
+          <a:p>
+            <a:r>
+              <a:rPr lang="en-US" sz="2400" dirty="0"/>
+              <a:t>Caching is key to a name service’s performance </a:t>
+            </a:r>
+            <a:endParaRPr lang="en-US" sz="2400" dirty="0"/>
+          </a:p>
+          <a:p>
+            <a:pPr lvl="1"/>
+            <a:r>
+              <a:rPr lang="en-US" sz="2400" dirty="0" smtClean="0"/>
+              <a:t>assists </a:t>
+            </a:r>
+            <a:r>
+              <a:rPr lang="en-US" sz="2400" dirty="0"/>
+              <a:t>in maintaining </a:t>
+            </a:r>
+            <a:r>
+              <a:rPr lang="en-US" sz="2400" dirty="0" smtClean="0"/>
+              <a:t>the availability </a:t>
+            </a:r>
+            <a:r>
+              <a:rPr lang="en-US" sz="2400" dirty="0"/>
+              <a:t>of both the name service and other services in spite of name server crashes.</a:t>
+            </a:r>
+          </a:p>
+          <a:p>
+            <a:r>
+              <a:rPr lang="en-US" sz="2400" dirty="0" smtClean="0"/>
+              <a:t>Caching </a:t>
+            </a:r>
+            <a:r>
+              <a:rPr lang="en-US" sz="2400" dirty="0"/>
+              <a:t>can be used to eliminate high-level name </a:t>
+            </a:r>
+            <a:r>
+              <a:rPr lang="en-US" sz="2400" dirty="0" smtClean="0"/>
+              <a:t>servers</a:t>
+            </a:r>
+          </a:p>
+        </p:txBody>
+      </p:sp>
+    </p:spTree>
+    <p:extLst>
+      <p:ext uri="{BB962C8B-B14F-4D97-AF65-F5344CB8AC3E}">
+        <p14:creationId xmlns:p14="http://schemas.microsoft.com/office/powerpoint/2010/main" val="3026940882"/>
       </p:ext>
     </p:extLst>
   </p:cSld>
@@ -26915,11 +29048,7 @@
             </a:r>
             <a:r>
               <a:rPr lang="en-US" sz="2400" dirty="0" smtClean="0"/>
-              <a:t>a </a:t>
-            </a:r>
-            <a:r>
-              <a:rPr lang="en-US" sz="2400" dirty="0" smtClean="0"/>
-              <a:t>hierarchic </a:t>
+              <a:t>a hierarchic </a:t>
             </a:r>
             <a:r>
               <a:rPr lang="en-US" sz="2400" dirty="0"/>
